--- a/SE2021-G003-详细设计/SE2021-G003-详细设计/ppt/SE2021-G003-设计-0.5.pptx
+++ b/SE2021-G003-详细设计/SE2021-G003-详细设计/ppt/SE2021-G003-设计-0.5.pptx
@@ -68,7 +68,7 @@
       <p:regular r:id="rId53"/>
     </p:embeddedFont>
     <p:embeddedFont>
-      <p:font typeface="Agency FB" panose="020B0503020202020204" pitchFamily="34" charset="0"/>
+      <p:font typeface="Agency FB" panose="020B0604020202020204" pitchFamily="34" charset="0"/>
       <p:regular r:id="rId54"/>
       <p:bold r:id="rId55"/>
     </p:embeddedFont>
@@ -18339,7 +18339,7 @@
         <p:spPr>
           <a:xfrm>
             <a:off x="1125806" y="1552932"/>
-            <a:ext cx="10249694" cy="2511329"/>
+            <a:ext cx="10249694" cy="2511393"/>
           </a:xfrm>
           <a:prstGeom prst="rect">
             <a:avLst/>
@@ -18495,17 +18495,25 @@
               <a:defRPr/>
             </a:pPr>
             <a:r>
-              <a:rPr kumimoji="0" lang="en-US" altLang="zh-CN" sz="1600" b="0" i="0" u="none" strike="noStrike" kern="1200" cap="none" spc="0" normalizeH="0" baseline="0" noProof="0" dirty="0">
-                <a:ln>
-                  <a:noFill/>
-                </a:ln>
-                <a:effectLst/>
-                <a:uLnTx/>
-                <a:uFillTx/>
+              <a:rPr lang="en-US" altLang="zh-CN" sz="1600" dirty="0">
                 <a:latin typeface="汉仪中等线简" panose="02010609000101010101" pitchFamily="2" charset="-122"/>
                 <a:ea typeface="汉仪中等线简" panose="02010609000101010101" pitchFamily="2" charset="-122"/>
               </a:rPr>
-              <a:t>[</a:t>
+              <a:t>J3.</a:t>
+            </a:r>
+            <a:r>
+              <a:rPr lang="en-US" altLang="zh-CN" sz="1600" dirty="0">
+                <a:latin typeface="宋体" panose="02010600030101010101" pitchFamily="2" charset="-122"/>
+                <a:ea typeface="宋体" panose="02010600030101010101" pitchFamily="2" charset="-122"/>
+              </a:rPr>
+              <a:t>ZUCCOJ</a:t>
+            </a:r>
+            <a:r>
+              <a:rPr lang="zh-CN" altLang="en-US" sz="1600" dirty="0">
+                <a:latin typeface="宋体" panose="02010600030101010101" pitchFamily="2" charset="-122"/>
+                <a:ea typeface="宋体" panose="02010600030101010101" pitchFamily="2" charset="-122"/>
+              </a:rPr>
+              <a:t>参考</a:t>
             </a:r>
             <a:endParaRPr kumimoji="0" lang="zh-CN" altLang="en-US" sz="1600" b="0" i="0" u="none" strike="noStrike" kern="1200" cap="none" spc="0" normalizeH="0" baseline="0" noProof="0" dirty="0">
               <a:ln>
